--- a/rsHRF_toolbox.pptx
+++ b/rsHRF_toolbox.pptx
@@ -114,6 +114,22 @@
       </a:defRPr>
     </a:lvl9pPr>
   </p:defaultTextStyle>
+  <p:extLst>
+    <p:ext uri="{EFAFB233-063F-42B5-8137-9DF3F51BA10A}">
+      <p15:sldGuideLst xmlns:p15="http://schemas.microsoft.com/office/powerpoint/2012/main">
+        <p15:guide id="1" orient="horz" pos="2160">
+          <p15:clr>
+            <a:srgbClr val="A4A3A4"/>
+          </p15:clr>
+        </p15:guide>
+        <p15:guide id="2" pos="2880">
+          <p15:clr>
+            <a:srgbClr val="A4A3A4"/>
+          </p15:clr>
+        </p15:guide>
+      </p15:sldGuideLst>
+    </p:ext>
+  </p:extLst>
 </p:presentation>
 </file>
 
@@ -298,7 +314,7 @@
           <a:p>
             <a:fld id="{0EF270EB-9DFA-4A95-9B2C-6499083A37D4}" type="datetimeFigureOut">
               <a:rPr lang="zh-CN" altLang="en-US" smtClean="0"/>
-              <a:t>2018/7/21</a:t>
+              <a:t>2018/8/13</a:t>
             </a:fld>
             <a:endParaRPr lang="zh-CN" altLang="en-US"/>
           </a:p>
@@ -468,7 +484,7 @@
           <a:p>
             <a:fld id="{0EF270EB-9DFA-4A95-9B2C-6499083A37D4}" type="datetimeFigureOut">
               <a:rPr lang="zh-CN" altLang="en-US" smtClean="0"/>
-              <a:t>2018/7/21</a:t>
+              <a:t>2018/8/13</a:t>
             </a:fld>
             <a:endParaRPr lang="zh-CN" altLang="en-US"/>
           </a:p>
@@ -648,7 +664,7 @@
           <a:p>
             <a:fld id="{0EF270EB-9DFA-4A95-9B2C-6499083A37D4}" type="datetimeFigureOut">
               <a:rPr lang="zh-CN" altLang="en-US" smtClean="0"/>
-              <a:t>2018/7/21</a:t>
+              <a:t>2018/8/13</a:t>
             </a:fld>
             <a:endParaRPr lang="zh-CN" altLang="en-US"/>
           </a:p>
@@ -818,7 +834,7 @@
           <a:p>
             <a:fld id="{0EF270EB-9DFA-4A95-9B2C-6499083A37D4}" type="datetimeFigureOut">
               <a:rPr lang="zh-CN" altLang="en-US" smtClean="0"/>
-              <a:t>2018/7/21</a:t>
+              <a:t>2018/8/13</a:t>
             </a:fld>
             <a:endParaRPr lang="zh-CN" altLang="en-US"/>
           </a:p>
@@ -1064,7 +1080,7 @@
           <a:p>
             <a:fld id="{0EF270EB-9DFA-4A95-9B2C-6499083A37D4}" type="datetimeFigureOut">
               <a:rPr lang="zh-CN" altLang="en-US" smtClean="0"/>
-              <a:t>2018/7/21</a:t>
+              <a:t>2018/8/13</a:t>
             </a:fld>
             <a:endParaRPr lang="zh-CN" altLang="en-US"/>
           </a:p>
@@ -1352,7 +1368,7 @@
           <a:p>
             <a:fld id="{0EF270EB-9DFA-4A95-9B2C-6499083A37D4}" type="datetimeFigureOut">
               <a:rPr lang="zh-CN" altLang="en-US" smtClean="0"/>
-              <a:t>2018/7/21</a:t>
+              <a:t>2018/8/13</a:t>
             </a:fld>
             <a:endParaRPr lang="zh-CN" altLang="en-US"/>
           </a:p>
@@ -1774,7 +1790,7 @@
           <a:p>
             <a:fld id="{0EF270EB-9DFA-4A95-9B2C-6499083A37D4}" type="datetimeFigureOut">
               <a:rPr lang="zh-CN" altLang="en-US" smtClean="0"/>
-              <a:t>2018/7/21</a:t>
+              <a:t>2018/8/13</a:t>
             </a:fld>
             <a:endParaRPr lang="zh-CN" altLang="en-US"/>
           </a:p>
@@ -1892,7 +1908,7 @@
           <a:p>
             <a:fld id="{0EF270EB-9DFA-4A95-9B2C-6499083A37D4}" type="datetimeFigureOut">
               <a:rPr lang="zh-CN" altLang="en-US" smtClean="0"/>
-              <a:t>2018/7/21</a:t>
+              <a:t>2018/8/13</a:t>
             </a:fld>
             <a:endParaRPr lang="zh-CN" altLang="en-US"/>
           </a:p>
@@ -1987,7 +2003,7 @@
           <a:p>
             <a:fld id="{0EF270EB-9DFA-4A95-9B2C-6499083A37D4}" type="datetimeFigureOut">
               <a:rPr lang="zh-CN" altLang="en-US" smtClean="0"/>
-              <a:t>2018/7/21</a:t>
+              <a:t>2018/8/13</a:t>
             </a:fld>
             <a:endParaRPr lang="zh-CN" altLang="en-US"/>
           </a:p>
@@ -2264,7 +2280,7 @@
           <a:p>
             <a:fld id="{0EF270EB-9DFA-4A95-9B2C-6499083A37D4}" type="datetimeFigureOut">
               <a:rPr lang="zh-CN" altLang="en-US" smtClean="0"/>
-              <a:t>2018/7/21</a:t>
+              <a:t>2018/8/13</a:t>
             </a:fld>
             <a:endParaRPr lang="zh-CN" altLang="en-US"/>
           </a:p>
@@ -2517,7 +2533,7 @@
           <a:p>
             <a:fld id="{0EF270EB-9DFA-4A95-9B2C-6499083A37D4}" type="datetimeFigureOut">
               <a:rPr lang="zh-CN" altLang="en-US" smtClean="0"/>
-              <a:t>2018/7/21</a:t>
+              <a:t>2018/8/13</a:t>
             </a:fld>
             <a:endParaRPr lang="zh-CN" altLang="en-US"/>
           </a:p>
@@ -2730,7 +2746,7 @@
           <a:p>
             <a:fld id="{0EF270EB-9DFA-4A95-9B2C-6499083A37D4}" type="datetimeFigureOut">
               <a:rPr lang="zh-CN" altLang="en-US" smtClean="0"/>
-              <a:t>2018/7/21</a:t>
+              <a:t>2018/8/13</a:t>
             </a:fld>
             <a:endParaRPr lang="zh-CN" altLang="en-US"/>
           </a:p>
@@ -3208,8 +3224,8 @@
           </a:p>
         </p:txBody>
       </p:sp>
-      <mc:AlternateContent xmlns:mc="http://schemas.openxmlformats.org/markup-compatibility/2006">
-        <mc:Choice xmlns:a14="http://schemas.microsoft.com/office/drawing/2010/main" Requires="a14">
+      <mc:AlternateContent xmlns:mc="http://schemas.openxmlformats.org/markup-compatibility/2006" xmlns:a14="http://schemas.microsoft.com/office/drawing/2010/main">
+        <mc:Choice Requires="a14">
           <p:sp>
             <p:nvSpPr>
               <p:cNvPr id="3" name="内容占位符 2"/>
@@ -3322,11 +3338,7 @@
                 </a:r>
                 <a:r>
                   <a:rPr lang="en-US" altLang="zh-CN" dirty="0" smtClean="0"/>
-                  <a:t> </a:t>
-                </a:r>
-                <a:r>
-                  <a:rPr lang="en-US" altLang="zh-CN" dirty="0" smtClean="0"/>
-                  <a:t>data)</a:t>
+                  <a:t> data)</a:t>
                 </a:r>
                 <a:endParaRPr lang="en-US" altLang="zh-CN" dirty="0"/>
               </a:p>
@@ -3369,11 +3381,7 @@
                 </a:r>
                 <a:r>
                   <a:rPr lang="en-US" altLang="zh-CN" dirty="0" smtClean="0"/>
-                  <a:t>files (default: yes</a:t>
-                </a:r>
-                <a:r>
-                  <a:rPr lang="en-US" altLang="zh-CN" dirty="0" smtClean="0"/>
-                  <a:t>)</a:t>
+                  <a:t>files (default: yes)</a:t>
                 </a:r>
               </a:p>
               <a:p>
@@ -3409,7 +3417,6 @@
                   <a:rPr lang="en-US" altLang="zh-CN" dirty="0" smtClean="0"/>
                   <a:t>Statistical analysis </a:t>
                 </a:r>
-                <a:endParaRPr lang="en-US" altLang="zh-CN" dirty="0" smtClean="0"/>
               </a:p>
               <a:p>
                 <a:pPr lvl="2"/>
@@ -3449,18 +3456,14 @@
               <a:p>
                 <a:r>
                   <a:rPr lang="en-US" altLang="zh-CN" dirty="0" smtClean="0"/>
-                  <a:t>FIR: Do not include serial correlations (none</a:t>
-                </a:r>
-                <a:r>
-                  <a:rPr lang="en-US" altLang="zh-CN" dirty="0" smtClean="0"/>
-                  <a:t>)</a:t>
+                  <a:t>FIR: Do not include serial correlations (none)</a:t>
                 </a:r>
                 <a:endParaRPr lang="zh-CN" altLang="en-US" dirty="0"/>
               </a:p>
             </p:txBody>
           </p:sp>
         </mc:Choice>
-        <mc:Fallback>
+        <mc:Fallback xmlns="">
           <p:sp>
             <p:nvSpPr>
               <p:cNvPr id="3" name="内容占位符 2"/>
@@ -4014,11 +4017,7 @@
             <a:pPr lvl="1"/>
             <a:r>
               <a:rPr lang="en-US" altLang="zh-CN" dirty="0" smtClean="0"/>
-              <a:t>From </a:t>
-            </a:r>
-            <a:r>
-              <a:rPr lang="en-US" altLang="zh-CN" dirty="0" smtClean="0"/>
-              <a:t>toolbox </a:t>
+              <a:t>From toolbox </a:t>
             </a:r>
           </a:p>
           <a:p>
@@ -4116,28 +4115,6 @@
           </p:spPr>
         </p:pic>
       </p:grpSp>
-      <p:pic>
-        <p:nvPicPr>
-          <p:cNvPr id="6" name="图片 5"/>
-          <p:cNvPicPr/>
-          <p:nvPr/>
-        </p:nvPicPr>
-        <p:blipFill>
-          <a:blip r:embed="rId4"/>
-          <a:stretch>
-            <a:fillRect/>
-          </a:stretch>
-        </p:blipFill>
-        <p:spPr>
-          <a:xfrm>
-            <a:off x="1187624" y="4197717"/>
-            <a:ext cx="1890447" cy="2495013"/>
-          </a:xfrm>
-          <a:prstGeom prst="rect">
-            <a:avLst/>
-          </a:prstGeom>
-        </p:spPr>
-      </p:pic>
       <p:sp>
         <p:nvSpPr>
           <p:cNvPr id="8" name="虚尾箭头 7"/>
@@ -4178,6 +4155,30 @@
           </a:p>
         </p:txBody>
       </p:sp>
+      <p:pic>
+        <p:nvPicPr>
+          <p:cNvPr id="6" name="Picture 5"/>
+          <p:cNvPicPr>
+            <a:picLocks noChangeAspect="1"/>
+          </p:cNvPicPr>
+          <p:nvPr/>
+        </p:nvPicPr>
+        <p:blipFill>
+          <a:blip r:embed="rId4"/>
+          <a:stretch>
+            <a:fillRect/>
+          </a:stretch>
+        </p:blipFill>
+        <p:spPr>
+          <a:xfrm>
+            <a:off x="1455267" y="4198776"/>
+            <a:ext cx="1326577" cy="2492896"/>
+          </a:xfrm>
+          <a:prstGeom prst="rect">
+            <a:avLst/>
+          </a:prstGeom>
+        </p:spPr>
+      </p:pic>
     </p:spTree>
     <p:extLst>
       <p:ext uri="{BB962C8B-B14F-4D97-AF65-F5344CB8AC3E}">
